--- a/Research Tool/Presentation/Group6_PresentationPaperRE.pptx
+++ b/Research Tool/Presentation/Group6_PresentationPaperRE.pptx
@@ -40,37 +40,30 @@
   <p:notesSz cx="6858000" cy="9144000"/>
   <p:embeddedFontLst>
     <p:embeddedFont>
-      <p:font typeface="Angsana New" pitchFamily="18" charset="-34"/>
+      <p:font typeface="Cordia New" panose="020B0304020202020204" pitchFamily="34" charset="-34"/>
       <p:regular r:id="rId30"/>
       <p:bold r:id="rId31"/>
       <p:italic r:id="rId32"/>
       <p:boldItalic r:id="rId33"/>
     </p:embeddedFont>
     <p:embeddedFont>
-      <p:font typeface="TH Sarabun New" pitchFamily="34" charset="-34"/>
+      <p:font typeface="Arvo" panose="020B0604020202020204" charset="0"/>
       <p:regular r:id="rId34"/>
       <p:bold r:id="rId35"/>
       <p:italic r:id="rId36"/>
       <p:boldItalic r:id="rId37"/>
     </p:embeddedFont>
     <p:embeddedFont>
-      <p:font typeface="Muli" charset="0"/>
+      <p:font typeface="TH Sarabun New" panose="020B0500040200020003" pitchFamily="34" charset="-34"/>
       <p:regular r:id="rId38"/>
-      <p:italic r:id="rId39"/>
+      <p:bold r:id="rId39"/>
+      <p:italic r:id="rId40"/>
+      <p:boldItalic r:id="rId41"/>
     </p:embeddedFont>
     <p:embeddedFont>
-      <p:font typeface="Cordia New" pitchFamily="34" charset="-34"/>
-      <p:regular r:id="rId40"/>
-      <p:bold r:id="rId41"/>
-      <p:italic r:id="rId42"/>
-      <p:boldItalic r:id="rId43"/>
-    </p:embeddedFont>
-    <p:embeddedFont>
-      <p:font typeface="Arvo" charset="0"/>
-      <p:regular r:id="rId44"/>
-      <p:bold r:id="rId45"/>
-      <p:italic r:id="rId46"/>
-      <p:boldItalic r:id="rId47"/>
+      <p:font typeface="Muli" panose="020B0604020202020204" charset="0"/>
+      <p:regular r:id="rId42"/>
+      <p:italic r:id="rId43"/>
     </p:embeddedFont>
   </p:embeddedFontLst>
   <p:defaultTextStyle>
@@ -286,7 +279,7 @@
   </p:defaultTextStyle>
   <p:extLst>
     <p:ext uri="{EFAFB233-063F-42B5-8137-9DF3F51BA10A}">
-      <p15:sldGuideLst xmlns:p15="http://schemas.microsoft.com/office/powerpoint/2012/main" xmlns="">
+      <p15:sldGuideLst xmlns:p15="http://schemas.microsoft.com/office/powerpoint/2012/main">
         <p15:guide id="1" orient="horz" pos="1620">
           <p15:clr>
             <a:srgbClr val="A4A3A4"/>
@@ -1829,6 +1822,11 @@
         </p:txBody>
       </p:sp>
     </p:spTree>
+    <p:extLst>
+      <p:ext uri="{BB962C8B-B14F-4D97-AF65-F5344CB8AC3E}">
+        <p14:creationId xmlns:p14="http://schemas.microsoft.com/office/powerpoint/2010/main" val="3066477202"/>
+      </p:ext>
+    </p:extLst>
   </p:cSld>
   <p:clrMapOvr>
     <a:masterClrMapping/>
@@ -2056,6 +2054,11 @@
         </p:txBody>
       </p:sp>
     </p:spTree>
+    <p:extLst>
+      <p:ext uri="{BB962C8B-B14F-4D97-AF65-F5344CB8AC3E}">
+        <p14:creationId xmlns:p14="http://schemas.microsoft.com/office/powerpoint/2010/main" val="3917898006"/>
+      </p:ext>
+    </p:extLst>
   </p:cSld>
   <p:clrMapOvr>
     <a:masterClrMapping/>
@@ -2167,6 +2170,11 @@
         </p:txBody>
       </p:sp>
     </p:spTree>
+    <p:extLst>
+      <p:ext uri="{BB962C8B-B14F-4D97-AF65-F5344CB8AC3E}">
+        <p14:creationId xmlns:p14="http://schemas.microsoft.com/office/powerpoint/2010/main" val="3896310416"/>
+      </p:ext>
+    </p:extLst>
   </p:cSld>
   <p:clrMapOvr>
     <a:masterClrMapping/>
@@ -19654,19 +19662,7 @@
           <a:p>
             <a:r>
               <a:rPr lang="en-US" dirty="0"/>
-              <a:t>Participants</a:t>
-            </a:r>
-            <a:r>
-              <a:rPr lang="en-US" dirty="0"/>
-              <a:t> </a:t>
-            </a:r>
-            <a:r>
-              <a:rPr lang="en-US" dirty="0"/>
-              <a:t>discuss</a:t>
-            </a:r>
-            <a:r>
-              <a:rPr lang="en-US" dirty="0"/>
-              <a:t> ideas</a:t>
+              <a:t>Participants discuss ideas</a:t>
             </a:r>
           </a:p>
         </p:txBody>
@@ -22664,12 +22660,6 @@
               </a:rPr>
               <a:t>Transcribe ideas into prioritized requirements. </a:t>
             </a:r>
-            <a:endParaRPr lang="en-US" b="1" dirty="0">
-              <a:solidFill>
-                <a:srgbClr val="7CA4B6"/>
-              </a:solidFill>
-              <a:sym typeface="Arial"/>
-            </a:endParaRPr>
           </a:p>
         </p:txBody>
       </p:sp>
@@ -26118,15 +26108,7 @@
                   <a:srgbClr val="7198A9"/>
                 </a:solidFill>
               </a:rPr>
-              <a:t> Fridge </a:t>
-            </a:r>
-            <a:r>
-              <a:rPr lang="en-US" b="1" dirty="0" smtClean="0">
-                <a:solidFill>
-                  <a:srgbClr val="7198A9"/>
-                </a:solidFill>
-              </a:rPr>
-              <a:t>of the Future (</a:t>
+              <a:t> Fridge of the Future (</a:t>
             </a:r>
             <a:r>
               <a:rPr lang="en-US" b="1" dirty="0" err="1" smtClean="0">
@@ -26159,15 +26141,7 @@
                   <a:srgbClr val="7198A9"/>
                 </a:solidFill>
               </a:rPr>
-              <a:t> Smartphone </a:t>
-            </a:r>
-            <a:r>
-              <a:rPr lang="en-US" b="1" dirty="0" smtClean="0">
-                <a:solidFill>
-                  <a:srgbClr val="7198A9"/>
-                </a:solidFill>
-              </a:rPr>
-              <a:t>of the Future (</a:t>
+              <a:t> Smartphone of the Future (</a:t>
             </a:r>
             <a:r>
               <a:rPr lang="en-US" b="1" dirty="0" err="1" smtClean="0">
@@ -27889,23 +27863,7 @@
                   <a:srgbClr val="7198A9"/>
                 </a:solidFill>
               </a:rPr>
-              <a:t>Invite stakeholders – </a:t>
-            </a:r>
-            <a:r>
-              <a:rPr lang="en-US" b="1" dirty="0" smtClean="0">
-                <a:solidFill>
-                  <a:srgbClr val="7198A9"/>
-                </a:solidFill>
-              </a:rPr>
-              <a:t>friend </a:t>
-            </a:r>
-            <a:r>
-              <a:rPr lang="en-US" b="1" dirty="0" smtClean="0">
-                <a:solidFill>
-                  <a:srgbClr val="7198A9"/>
-                </a:solidFill>
-              </a:rPr>
-              <a:t>or fellow students.</a:t>
+              <a:t>Invite stakeholders – friend or fellow students.</a:t>
             </a:r>
           </a:p>
         </p:txBody>
@@ -28404,14 +28362,7 @@
                 <a:latin typeface="TH Sarabun New" panose="020B0500040200020003" pitchFamily="34" charset="-34"/>
                 <a:cs typeface="TH Sarabun New" panose="020B0500040200020003" pitchFamily="34" charset="-34"/>
               </a:rPr>
-              <a:t>นางสาวปาริชาติ เกียรติ</a:t>
-            </a:r>
-            <a:r>
-              <a:rPr lang="th-TH" sz="2400" dirty="0" smtClean="0">
-                <a:latin typeface="TH Sarabun New" panose="020B0500040200020003" pitchFamily="34" charset="-34"/>
-                <a:cs typeface="TH Sarabun New" panose="020B0500040200020003" pitchFamily="34" charset="-34"/>
-              </a:rPr>
-              <a:t>เผ่า</a:t>
+              <a:t>นางสาวปาริชาติ เกียรติเผ่า</a:t>
             </a:r>
           </a:p>
           <a:p>
@@ -36216,14 +36167,6 @@
               </a:rPr>
               <a:t>: What are the benefits of using a social network site approach compared to existing elicitation, prioritization and negotiation techniques?</a:t>
             </a:r>
-            <a:endParaRPr lang="en-GB" sz="1800" b="1" dirty="0">
-              <a:solidFill>
-                <a:srgbClr val="4D778A"/>
-              </a:solidFill>
-              <a:latin typeface="Muli"/>
-              <a:ea typeface="Muli"/>
-              <a:cs typeface="Muli"/>
-            </a:endParaRPr>
           </a:p>
         </p:txBody>
       </p:sp>
@@ -39016,14 +38959,6 @@
               </a:rPr>
               <a:t>What are the challenges and limitations of using a social network site for requirements elicitation, prioritization and negotiation ?</a:t>
             </a:r>
-            <a:endParaRPr lang="en-US" sz="1800" b="1" dirty="0">
-              <a:solidFill>
-                <a:srgbClr val="4D778A"/>
-              </a:solidFill>
-              <a:latin typeface="Muli"/>
-              <a:ea typeface="Muli"/>
-              <a:cs typeface="Muli"/>
-            </a:endParaRPr>
           </a:p>
         </p:txBody>
       </p:sp>
@@ -41489,29 +41424,7 @@
                 <a:ea typeface="Muli"/>
                 <a:cs typeface="Muli"/>
               </a:rPr>
-              <a:t>Using Facebook likes allow the </a:t>
-            </a:r>
-            <a:r>
-              <a:rPr lang="en" sz="1700" b="1" dirty="0">
-                <a:solidFill>
-                  <a:srgbClr val="CEDBE0"/>
-                </a:solidFill>
-                <a:latin typeface="Muli"/>
-                <a:ea typeface="Muli"/>
-                <a:cs typeface="Muli"/>
-              </a:rPr>
-              <a:t>communication</a:t>
-            </a:r>
-            <a:r>
-              <a:rPr lang="en" sz="1700" b="1" dirty="0">
-                <a:solidFill>
-                  <a:srgbClr val="CEDBE0"/>
-                </a:solidFill>
-                <a:latin typeface="Muli"/>
-                <a:ea typeface="Muli"/>
-                <a:cs typeface="Muli"/>
-              </a:rPr>
-              <a:t> of approval and support requirement prioritization.</a:t>
+              <a:t>Using Facebook likes allow the communication of approval and support requirement prioritization.</a:t>
             </a:r>
           </a:p>
           <a:p>
@@ -42038,15 +41951,7 @@
                   <a:srgbClr val="7198A9"/>
                 </a:solidFill>
               </a:rPr>
-              <a:t>Heavily </a:t>
-            </a:r>
-            <a:r>
-              <a:rPr lang="en-US" sz="1800" b="1" dirty="0" smtClean="0">
-                <a:solidFill>
-                  <a:srgbClr val="7198A9"/>
-                </a:solidFill>
-              </a:rPr>
-              <a:t>relied on the participation of RE students and friend of moderators.</a:t>
+              <a:t>Heavily relied on the participation of RE students and friend of moderators.</a:t>
             </a:r>
           </a:p>
           <a:p>
@@ -42076,15 +41981,7 @@
                   <a:srgbClr val="7198A9"/>
                 </a:solidFill>
               </a:rPr>
-              <a:t>The </a:t>
-            </a:r>
-            <a:r>
-              <a:rPr lang="en-US" sz="1800" b="1" dirty="0" smtClean="0">
-                <a:solidFill>
-                  <a:srgbClr val="7198A9"/>
-                </a:solidFill>
-              </a:rPr>
-              <a:t>results cannot make statistically significant claims.</a:t>
+              <a:t>The results cannot make statistically significant claims.</a:t>
             </a:r>
             <a:endParaRPr lang="en-GB" sz="1800" b="1" dirty="0">
               <a:solidFill>
@@ -42688,15 +42585,7 @@
                   <a:srgbClr val="7198A9"/>
                 </a:solidFill>
               </a:rPr>
-              <a:t>Better </a:t>
-            </a:r>
-            <a:r>
-              <a:rPr lang="en" sz="1800" b="1" dirty="0" smtClean="0">
-                <a:solidFill>
-                  <a:srgbClr val="7198A9"/>
-                </a:solidFill>
-              </a:rPr>
-              <a:t>understanding risks and issues</a:t>
+              <a:t>Better understanding risks and issues</a:t>
             </a:r>
           </a:p>
           <a:p>
@@ -42713,15 +42602,7 @@
                   <a:srgbClr val="7198A9"/>
                 </a:solidFill>
               </a:rPr>
-              <a:t>Evaluation </a:t>
-            </a:r>
-            <a:r>
-              <a:rPr lang="en" sz="1800" b="1" dirty="0" smtClean="0">
-                <a:solidFill>
-                  <a:srgbClr val="7198A9"/>
-                </a:solidFill>
-              </a:rPr>
-              <a:t>of other suitable SNS</a:t>
+              <a:t>Evaluation of other suitable SNS</a:t>
             </a:r>
           </a:p>
           <a:p>
@@ -42738,15 +42619,7 @@
                   <a:srgbClr val="7198A9"/>
                 </a:solidFill>
               </a:rPr>
-              <a:t>Evaluation </a:t>
-            </a:r>
-            <a:r>
-              <a:rPr lang="en" sz="1800" b="1" dirty="0" smtClean="0">
-                <a:solidFill>
-                  <a:srgbClr val="7198A9"/>
-                </a:solidFill>
-              </a:rPr>
-              <a:t>in real-world projects</a:t>
+              <a:t>Evaluation in real-world projects</a:t>
             </a:r>
           </a:p>
           <a:p>
@@ -42763,15 +42636,7 @@
                   <a:srgbClr val="7198A9"/>
                 </a:solidFill>
               </a:rPr>
-              <a:t>Exploring </a:t>
-            </a:r>
-            <a:r>
-              <a:rPr lang="en" sz="1800" b="1" dirty="0" smtClean="0">
-                <a:solidFill>
-                  <a:srgbClr val="7198A9"/>
-                </a:solidFill>
-              </a:rPr>
-              <a:t>the motivation of end users</a:t>
+              <a:t>Exploring the motivation of end users</a:t>
             </a:r>
             <a:endParaRPr lang="en" sz="1800" b="1" dirty="0">
               <a:solidFill>
@@ -46622,15 +46487,7 @@
                   <a:srgbClr val="F3AD97"/>
                 </a:solidFill>
               </a:rPr>
-              <a:t>PROS </a:t>
-            </a:r>
-            <a:r>
-              <a:rPr lang="en" sz="1800" b="1" dirty="0" smtClean="0">
-                <a:solidFill>
-                  <a:srgbClr val="F3AD97"/>
-                </a:solidFill>
-              </a:rPr>
-              <a:t>:</a:t>
+              <a:t>PROS :</a:t>
             </a:r>
           </a:p>
           <a:p>
@@ -46689,11 +46546,6 @@
               </a:rPr>
               <a:t>CONS:</a:t>
             </a:r>
-            <a:endParaRPr lang="en" sz="1800" b="1" dirty="0" smtClean="0">
-              <a:solidFill>
-                <a:srgbClr val="F3AD97"/>
-              </a:solidFill>
-            </a:endParaRPr>
           </a:p>
           <a:p>
             <a:pPr marL="228600" lvl="1">
@@ -49053,25 +48905,8 @@
                 <a:latin typeface="Muli" panose="020B0604020202020204" charset="0"/>
                 <a:cs typeface="TH Sarabun New" panose="020B0500040200020003" pitchFamily="34" charset="-34"/>
               </a:rPr>
-              <a:t>Research Answer </a:t>
+              <a:t>Research Answer and Threats to Validity</a:t>
             </a:r>
-            <a:r>
-              <a:rPr lang="en" b="1" dirty="0" smtClean="0">
-                <a:solidFill>
-                  <a:srgbClr val="B0D85B"/>
-                </a:solidFill>
-                <a:latin typeface="Muli" panose="020B0604020202020204" charset="0"/>
-                <a:cs typeface="TH Sarabun New" panose="020B0500040200020003" pitchFamily="34" charset="-34"/>
-              </a:rPr>
-              <a:t>and Threats to Validity</a:t>
-            </a:r>
-            <a:endParaRPr lang="en" b="1" dirty="0" smtClean="0">
-              <a:solidFill>
-                <a:srgbClr val="B0D85B"/>
-              </a:solidFill>
-              <a:latin typeface="Muli" panose="020B0604020202020204" charset="0"/>
-              <a:cs typeface="TH Sarabun New" panose="020B0500040200020003" pitchFamily="34" charset="-34"/>
-            </a:endParaRPr>
           </a:p>
           <a:p>
             <a:pPr marL="571500" indent="-571500">
@@ -52967,15 +52802,7 @@
                   <a:srgbClr val="FF9966"/>
                 </a:solidFill>
               </a:rPr>
-              <a:t>and </a:t>
-            </a:r>
-            <a:r>
-              <a:rPr lang="en-US" sz="1800" b="1" i="1" dirty="0" smtClean="0">
-                <a:solidFill>
-                  <a:srgbClr val="FF9966"/>
-                </a:solidFill>
-              </a:rPr>
-              <a:t>Applications</a:t>
+              <a:t>and Applications</a:t>
             </a:r>
             <a:r>
               <a:rPr lang="en-US" dirty="0">
@@ -53010,13 +52837,8 @@
             </a:br>
             <a:r>
               <a:rPr lang="en-US" dirty="0" smtClean="0"/>
-              <a:t>DOI</a:t>
+              <a:t>DOI: 10.1186/s13174-015-0021-9</a:t>
             </a:r>
-            <a:r>
-              <a:rPr lang="en-US" dirty="0" smtClean="0"/>
-              <a:t>: 10.1186/s13174-015-0021-9</a:t>
-            </a:r>
-            <a:endParaRPr lang="en-US" dirty="0" smtClean="0"/>
           </a:p>
           <a:p>
             <a:pPr marL="228600" lvl="0">
@@ -53048,13 +52870,10 @@
             </a:r>
           </a:p>
           <a:p>
-            <a:pPr marL="741363" lvl="0" indent="-285750" rtl="0">
+            <a:pPr marL="741363" lvl="0" indent="-285750">
               <a:lnSpc>
                 <a:spcPct val="150000"/>
               </a:lnSpc>
-              <a:spcBef>
-                <a:spcPts val="0"/>
-              </a:spcBef>
               <a:buFont typeface="Wingdings" panose="05000000000000000000" pitchFamily="2" charset="2"/>
               <a:buChar char="q"/>
             </a:pPr>
@@ -53064,7 +52883,19 @@
             </a:r>
             <a:r>
               <a:rPr lang="en" dirty="0" smtClean="0"/>
-              <a:t>: 2 Marth 2015</a:t>
+              <a:t>: 2 </a:t>
+            </a:r>
+            <a:r>
+              <a:rPr lang="en-GB" dirty="0"/>
+              <a:t>March</a:t>
+            </a:r>
+            <a:r>
+              <a:rPr lang="en" dirty="0" smtClean="0"/>
+              <a:t> </a:t>
+            </a:r>
+            <a:r>
+              <a:rPr lang="en" dirty="0" smtClean="0"/>
+              <a:t>2015</a:t>
             </a:r>
           </a:p>
           <a:p>
@@ -53384,21 +53215,8 @@
             </a:pPr>
             <a:r>
               <a:rPr lang="en-GB" sz="1800" i="1" dirty="0" smtClean="0"/>
-              <a:t>RE </a:t>
+              <a:t>RE Approach do not sufficiently support non-traditional contexts such as </a:t>
             </a:r>
-            <a:r>
-              <a:rPr lang="en-GB" sz="1800" i="1" dirty="0" smtClean="0"/>
-              <a:t>Approach </a:t>
-            </a:r>
-            <a:r>
-              <a:rPr lang="en-GB" sz="1800" i="1" dirty="0" smtClean="0"/>
-              <a:t>do not sufficiently support non-traditional contexts such </a:t>
-            </a:r>
-            <a:r>
-              <a:rPr lang="en-GB" sz="1800" i="1" dirty="0" smtClean="0"/>
-              <a:t>as </a:t>
-            </a:r>
-            <a:endParaRPr lang="en-GB" sz="1800" i="1" dirty="0" smtClean="0"/>
           </a:p>
           <a:p>
             <a:pPr marL="914400" lvl="4" indent="-285750">
@@ -53453,15 +53271,7 @@
                   <a:srgbClr val="9EDE36"/>
                 </a:solidFill>
               </a:rPr>
-              <a:t>Software </a:t>
-            </a:r>
-            <a:r>
-              <a:rPr lang="en-GB" i="1" dirty="0" smtClean="0">
-                <a:solidFill>
-                  <a:srgbClr val="9EDE36"/>
-                </a:solidFill>
-              </a:rPr>
-              <a:t>Ecosystems</a:t>
+              <a:t>Software Ecosystems</a:t>
             </a:r>
             <a:endParaRPr lang="en" i="1" dirty="0">
               <a:solidFill>
